--- a/docs/diagrams/ListSequenceDiagram_1.pptx
+++ b/docs/diagrams/ListSequenceDiagram_1.pptx
@@ -109,7 +109,7 @@
   </p:defaultTextStyle>
   <p:extLst>
     <p:ext uri="{EFAFB233-063F-42B5-8137-9DF3F51BA10A}">
-      <p15:sldGuideLst xmlns:p15="http://schemas.microsoft.com/office/powerpoint/2012/main" xmlns="">
+      <p15:sldGuideLst xmlns="" xmlns:p15="http://schemas.microsoft.com/office/powerpoint/2012/main">
         <p15:guide id="1" orient="horz" pos="1488">
           <p15:clr>
             <a:srgbClr val="A4A3A4"/>
@@ -212,7 +212,7 @@
           <a:p>
             <a:fld id="{F5CC4B3F-88C1-4FFA-B1B6-F41C21DC6924}" type="datetimeFigureOut">
               <a:rPr lang="en-US" smtClean="0"/>
-              <a:t>11/10/2018</a:t>
+              <a:t>11/12/2018</a:t>
             </a:fld>
             <a:endParaRPr lang="en-US"/>
           </a:p>
@@ -658,7 +658,7 @@
           <a:p>
             <a:fld id="{78C97017-6FC3-485B-9764-EAC9E56C1D49}" type="datetimeFigureOut">
               <a:rPr lang="en-US" smtClean="0"/>
-              <a:t>11/10/2018</a:t>
+              <a:t>11/12/2018</a:t>
             </a:fld>
             <a:endParaRPr lang="en-US"/>
           </a:p>
@@ -826,7 +826,7 @@
           <a:p>
             <a:fld id="{78C97017-6FC3-485B-9764-EAC9E56C1D49}" type="datetimeFigureOut">
               <a:rPr lang="en-US" smtClean="0"/>
-              <a:t>11/10/2018</a:t>
+              <a:t>11/12/2018</a:t>
             </a:fld>
             <a:endParaRPr lang="en-US"/>
           </a:p>
@@ -1004,7 +1004,7 @@
           <a:p>
             <a:fld id="{78C97017-6FC3-485B-9764-EAC9E56C1D49}" type="datetimeFigureOut">
               <a:rPr lang="en-US" smtClean="0"/>
-              <a:t>11/10/2018</a:t>
+              <a:t>11/12/2018</a:t>
             </a:fld>
             <a:endParaRPr lang="en-US"/>
           </a:p>
@@ -1172,7 +1172,7 @@
           <a:p>
             <a:fld id="{78C97017-6FC3-485B-9764-EAC9E56C1D49}" type="datetimeFigureOut">
               <a:rPr lang="en-US" smtClean="0"/>
-              <a:t>11/10/2018</a:t>
+              <a:t>11/12/2018</a:t>
             </a:fld>
             <a:endParaRPr lang="en-US"/>
           </a:p>
@@ -1417,7 +1417,7 @@
           <a:p>
             <a:fld id="{78C97017-6FC3-485B-9764-EAC9E56C1D49}" type="datetimeFigureOut">
               <a:rPr lang="en-US" smtClean="0"/>
-              <a:t>11/10/2018</a:t>
+              <a:t>11/12/2018</a:t>
             </a:fld>
             <a:endParaRPr lang="en-US"/>
           </a:p>
@@ -1702,7 +1702,7 @@
           <a:p>
             <a:fld id="{78C97017-6FC3-485B-9764-EAC9E56C1D49}" type="datetimeFigureOut">
               <a:rPr lang="en-US" smtClean="0"/>
-              <a:t>11/10/2018</a:t>
+              <a:t>11/12/2018</a:t>
             </a:fld>
             <a:endParaRPr lang="en-US"/>
           </a:p>
@@ -2121,7 +2121,7 @@
           <a:p>
             <a:fld id="{78C97017-6FC3-485B-9764-EAC9E56C1D49}" type="datetimeFigureOut">
               <a:rPr lang="en-US" smtClean="0"/>
-              <a:t>11/10/2018</a:t>
+              <a:t>11/12/2018</a:t>
             </a:fld>
             <a:endParaRPr lang="en-US"/>
           </a:p>
@@ -2238,7 +2238,7 @@
           <a:p>
             <a:fld id="{78C97017-6FC3-485B-9764-EAC9E56C1D49}" type="datetimeFigureOut">
               <a:rPr lang="en-US" smtClean="0"/>
-              <a:t>11/10/2018</a:t>
+              <a:t>11/12/2018</a:t>
             </a:fld>
             <a:endParaRPr lang="en-US"/>
           </a:p>
@@ -2333,7 +2333,7 @@
           <a:p>
             <a:fld id="{78C97017-6FC3-485B-9764-EAC9E56C1D49}" type="datetimeFigureOut">
               <a:rPr lang="en-US" smtClean="0"/>
-              <a:t>11/10/2018</a:t>
+              <a:t>11/12/2018</a:t>
             </a:fld>
             <a:endParaRPr lang="en-US"/>
           </a:p>
@@ -2608,7 +2608,7 @@
           <a:p>
             <a:fld id="{78C97017-6FC3-485B-9764-EAC9E56C1D49}" type="datetimeFigureOut">
               <a:rPr lang="en-US" smtClean="0"/>
-              <a:t>11/10/2018</a:t>
+              <a:t>11/12/2018</a:t>
             </a:fld>
             <a:endParaRPr lang="en-US"/>
           </a:p>
@@ -2860,7 +2860,7 @@
           <a:p>
             <a:fld id="{78C97017-6FC3-485B-9764-EAC9E56C1D49}" type="datetimeFigureOut">
               <a:rPr lang="en-US" smtClean="0"/>
-              <a:t>11/10/2018</a:t>
+              <a:t>11/12/2018</a:t>
             </a:fld>
             <a:endParaRPr lang="en-US"/>
           </a:p>
@@ -3071,7 +3071,7 @@
           <a:p>
             <a:fld id="{78C97017-6FC3-485B-9764-EAC9E56C1D49}" type="datetimeFigureOut">
               <a:rPr lang="en-US" smtClean="0"/>
-              <a:t>11/10/2018</a:t>
+              <a:t>11/12/2018</a:t>
             </a:fld>
             <a:endParaRPr lang="en-US"/>
           </a:p>
@@ -4038,23 +4038,7 @@
                   <a:srgbClr val="0070C0"/>
                 </a:solidFill>
               </a:rPr>
-              <a:t>(“</a:t>
-            </a:r>
-            <a:r>
-              <a:rPr lang="en-US" sz="1400" dirty="0" smtClean="0">
-                <a:solidFill>
-                  <a:srgbClr val="0070C0"/>
-                </a:solidFill>
-              </a:rPr>
-              <a:t>list y/1</a:t>
-            </a:r>
-            <a:r>
-              <a:rPr lang="en-US" sz="1400" dirty="0" smtClean="0">
-                <a:solidFill>
-                  <a:srgbClr val="0070C0"/>
-                </a:solidFill>
-              </a:rPr>
-              <a:t>”)</a:t>
+              <a:t>(“list y/1”)</a:t>
             </a:r>
             <a:endParaRPr lang="en-US" sz="1400" dirty="0">
               <a:solidFill>
@@ -4135,11 +4119,7 @@
           <a:p>
             <a:r>
               <a:rPr lang="en-US" dirty="0" smtClean="0"/>
-              <a:t>parse</a:t>
-            </a:r>
-            <a:r>
-              <a:rPr lang="en-US" dirty="0" smtClean="0"/>
-              <a:t>(“y/1”)</a:t>
+              <a:t>parse(“y/1”)</a:t>
             </a:r>
             <a:endParaRPr lang="en-US" dirty="0"/>
           </a:p>
@@ -4349,17 +4329,7 @@
                   </a:schemeClr>
                 </a:solidFill>
               </a:rPr>
-              <a:t>listTaken</a:t>
-            </a:r>
-            <a:r>
-              <a:rPr lang="en-US" sz="1200" dirty="0" err="1" smtClean="0">
-                <a:solidFill>
-                  <a:schemeClr val="accent4">
-                    <a:lumMod val="75000"/>
-                  </a:schemeClr>
-                </a:solidFill>
-              </a:rPr>
-              <a:t>Modules</a:t>
+              <a:t>listTakenModules</a:t>
             </a:r>
             <a:endParaRPr lang="en-US" sz="1200" dirty="0" smtClean="0">
               <a:solidFill>
@@ -4441,11 +4411,7 @@
             </a:r>
             <a:r>
               <a:rPr lang="en-US" dirty="0" smtClean="0"/>
-              <a:t>(“</a:t>
-            </a:r>
-            <a:r>
-              <a:rPr lang="en-US" dirty="0" smtClean="0"/>
-              <a:t>list y/1”)</a:t>
+              <a:t>(“list y/1”)</a:t>
             </a:r>
             <a:endParaRPr lang="en-US" dirty="0"/>
           </a:p>
@@ -4894,7 +4860,7 @@
           <p:cNvPr id="66" name="Straight Arrow Connector 65">
             <a:extLst>
               <a:ext uri="{FF2B5EF4-FFF2-40B4-BE49-F238E27FC236}">
-                <a16:creationId xmlns:a16="http://schemas.microsoft.com/office/drawing/2014/main" xmlns="" id="{39916E2E-195A-4DC8-B025-B05FA87E6796}"/>
+                <a16:creationId xmlns="" xmlns:a16="http://schemas.microsoft.com/office/drawing/2014/main" id="{39916E2E-195A-4DC8-B025-B05FA87E6796}"/>
               </a:ext>
             </a:extLst>
           </p:cNvPr>
@@ -4938,7 +4904,7 @@
           <p:cNvPr id="67" name="Straight Arrow Connector 66">
             <a:extLst>
               <a:ext uri="{FF2B5EF4-FFF2-40B4-BE49-F238E27FC236}">
-                <a16:creationId xmlns:a16="http://schemas.microsoft.com/office/drawing/2014/main" xmlns="" id="{D881596E-177C-4FDC-8E60-CAB90B3D5FAB}"/>
+                <a16:creationId xmlns="" xmlns:a16="http://schemas.microsoft.com/office/drawing/2014/main" id="{D881596E-177C-4FDC-8E60-CAB90B3D5FAB}"/>
               </a:ext>
             </a:extLst>
           </p:cNvPr>
@@ -4982,7 +4948,7 @@
           <p:cNvPr id="69" name="Straight Arrow Connector 68">
             <a:extLst>
               <a:ext uri="{FF2B5EF4-FFF2-40B4-BE49-F238E27FC236}">
-                <a16:creationId xmlns:a16="http://schemas.microsoft.com/office/drawing/2014/main" xmlns="" id="{7C9F21BC-13A9-471F-825A-2621FD36355F}"/>
+                <a16:creationId xmlns="" xmlns:a16="http://schemas.microsoft.com/office/drawing/2014/main" id="{7C9F21BC-13A9-471F-825A-2621FD36355F}"/>
               </a:ext>
             </a:extLst>
           </p:cNvPr>
@@ -5028,7 +4994,7 @@
           <p:cNvPr id="89" name="Straight Connector 88">
             <a:extLst>
               <a:ext uri="{FF2B5EF4-FFF2-40B4-BE49-F238E27FC236}">
-                <a16:creationId xmlns:a16="http://schemas.microsoft.com/office/drawing/2014/main" xmlns="" id="{E4E1C8CA-49DF-45D8-80A5-D5C8282EE927}"/>
+                <a16:creationId xmlns="" xmlns:a16="http://schemas.microsoft.com/office/drawing/2014/main" id="{E4E1C8CA-49DF-45D8-80A5-D5C8282EE927}"/>
               </a:ext>
             </a:extLst>
           </p:cNvPr>
@@ -5190,7 +5156,7 @@
           <p:cNvPr id="60" name="Straight Arrow Connector 59">
             <a:extLst>
               <a:ext uri="{FF2B5EF4-FFF2-40B4-BE49-F238E27FC236}">
-                <a16:creationId xmlns:a16="http://schemas.microsoft.com/office/drawing/2014/main" xmlns="" id="{7C9F21BC-13A9-471F-825A-2621FD36355F}"/>
+                <a16:creationId xmlns="" xmlns:a16="http://schemas.microsoft.com/office/drawing/2014/main" id="{7C9F21BC-13A9-471F-825A-2621FD36355F}"/>
               </a:ext>
             </a:extLst>
           </p:cNvPr>
@@ -5236,7 +5202,7 @@
           <p:cNvPr id="63" name="Straight Arrow Connector 62">
             <a:extLst>
               <a:ext uri="{FF2B5EF4-FFF2-40B4-BE49-F238E27FC236}">
-                <a16:creationId xmlns:a16="http://schemas.microsoft.com/office/drawing/2014/main" xmlns="" id="{7C9F21BC-13A9-471F-825A-2621FD36355F}"/>
+                <a16:creationId xmlns="" xmlns:a16="http://schemas.microsoft.com/office/drawing/2014/main" id="{7C9F21BC-13A9-471F-825A-2621FD36355F}"/>
               </a:ext>
             </a:extLst>
           </p:cNvPr>
@@ -5490,7 +5456,7 @@
           <p:cNvPr id="59" name="Straight Arrow Connector 58">
             <a:extLst>
               <a:ext uri="{FF2B5EF4-FFF2-40B4-BE49-F238E27FC236}">
-                <a16:creationId xmlns:a16="http://schemas.microsoft.com/office/drawing/2014/main" xmlns="" id="{D881596E-177C-4FDC-8E60-CAB90B3D5FAB}"/>
+                <a16:creationId xmlns="" xmlns:a16="http://schemas.microsoft.com/office/drawing/2014/main" id="{D881596E-177C-4FDC-8E60-CAB90B3D5FAB}"/>
               </a:ext>
             </a:extLst>
           </p:cNvPr>
@@ -5843,7 +5809,7 @@
           <p:cNvPr id="78" name="Straight Arrow Connector 77">
             <a:extLst>
               <a:ext uri="{FF2B5EF4-FFF2-40B4-BE49-F238E27FC236}">
-                <a16:creationId xmlns:a16="http://schemas.microsoft.com/office/drawing/2014/main" xmlns="" id="{7C9F21BC-13A9-471F-825A-2621FD36355F}"/>
+                <a16:creationId xmlns="" xmlns:a16="http://schemas.microsoft.com/office/drawing/2014/main" id="{7C9F21BC-13A9-471F-825A-2621FD36355F}"/>
               </a:ext>
             </a:extLst>
           </p:cNvPr>
@@ -5925,7 +5891,7 @@
                   </a:schemeClr>
                 </a:solidFill>
               </a:rPr>
-              <a:t>listTaken</a:t>
+              <a:t>getTaken</a:t>
             </a:r>
             <a:endParaRPr lang="en-US" sz="1200" dirty="0" smtClean="0">
               <a:solidFill>
@@ -6118,7 +6084,7 @@
           <p:cNvPr id="100" name="Straight Arrow Connector 99">
             <a:extLst>
               <a:ext uri="{FF2B5EF4-FFF2-40B4-BE49-F238E27FC236}">
-                <a16:creationId xmlns:a16="http://schemas.microsoft.com/office/drawing/2014/main" xmlns="" id="{7C9F21BC-13A9-471F-825A-2621FD36355F}"/>
+                <a16:creationId xmlns="" xmlns:a16="http://schemas.microsoft.com/office/drawing/2014/main" id="{7C9F21BC-13A9-471F-825A-2621FD36355F}"/>
               </a:ext>
             </a:extLst>
           </p:cNvPr>
@@ -6167,8 +6133,8 @@
         </p:nvSpPr>
         <p:spPr>
           <a:xfrm>
-            <a:off x="9637272" y="4068875"/>
-            <a:ext cx="1066799" cy="369332"/>
+            <a:off x="9504378" y="4029866"/>
+            <a:ext cx="1220021" cy="369332"/>
           </a:xfrm>
           <a:prstGeom prst="rect">
             <a:avLst/>
@@ -6201,7 +6167,15 @@
                   <a:srgbClr val="7030A0"/>
                 </a:solidFill>
               </a:rPr>
-              <a:t>updateTaken</a:t>
+              <a:t>set</a:t>
+            </a:r>
+            <a:r>
+              <a:rPr lang="en-US" sz="1200" dirty="0" err="1" smtClean="0">
+                <a:solidFill>
+                  <a:srgbClr val="7030A0"/>
+                </a:solidFill>
+              </a:rPr>
+              <a:t>TakenModules</a:t>
             </a:r>
             <a:endParaRPr lang="en-US" sz="1200" dirty="0" smtClean="0">
               <a:solidFill>
@@ -6216,7 +6190,7 @@
                   <a:srgbClr val="7030A0"/>
                 </a:solidFill>
               </a:rPr>
-              <a:t>Modules()</a:t>
+              <a:t>(modules)</a:t>
             </a:r>
             <a:endParaRPr lang="en-US" sz="1200" dirty="0">
               <a:solidFill>

--- a/docs/diagrams/ListSequenceDiagram_1.pptx
+++ b/docs/diagrams/ListSequenceDiagram_1.pptx
@@ -109,7 +109,7 @@
   </p:defaultTextStyle>
   <p:extLst>
     <p:ext uri="{EFAFB233-063F-42B5-8137-9DF3F51BA10A}">
-      <p15:sldGuideLst xmlns="" xmlns:p15="http://schemas.microsoft.com/office/powerpoint/2012/main">
+      <p15:sldGuideLst xmlns:p15="http://schemas.microsoft.com/office/powerpoint/2012/main" xmlns="">
         <p15:guide id="1" orient="horz" pos="1488">
           <p15:clr>
             <a:srgbClr val="A4A3A4"/>
@@ -3492,14 +3492,14 @@
           <a:lstStyle/>
           <a:p>
             <a:r>
-              <a:rPr lang="en-US" sz="1200" b="1" dirty="0">
+              <a:rPr lang="en-US" sz="1200" b="1" baseline="-25000" dirty="0">
                 <a:solidFill>
                   <a:srgbClr val="7030A0"/>
                 </a:solidFill>
               </a:rPr>
               <a:t>Model</a:t>
             </a:r>
-            <a:endParaRPr lang="en-SG" sz="1200" b="1" dirty="0">
+            <a:endParaRPr lang="en-SG" sz="1200" b="1" baseline="-25000" dirty="0">
               <a:solidFill>
                 <a:srgbClr val="7030A0"/>
               </a:solidFill>
@@ -3515,7 +3515,7 @@
         </p:nvSpPr>
         <p:spPr>
           <a:xfrm>
-            <a:off x="531767" y="236646"/>
+            <a:off x="543332" y="236646"/>
             <a:ext cx="6839566" cy="6146222"/>
           </a:xfrm>
           <a:prstGeom prst="roundRect">
@@ -3553,14 +3553,14 @@
           <a:lstStyle/>
           <a:p>
             <a:r>
-              <a:rPr lang="en-US" sz="1200" b="1" dirty="0">
+              <a:rPr lang="en-US" sz="1200" b="1" baseline="-25000" dirty="0">
                 <a:solidFill>
                   <a:srgbClr val="0070C0"/>
                 </a:solidFill>
               </a:rPr>
               <a:t>Logic</a:t>
             </a:r>
-            <a:endParaRPr lang="en-SG" sz="1200" b="1" dirty="0">
+            <a:endParaRPr lang="en-SG" sz="1200" b="1" baseline="-25000" dirty="0">
               <a:solidFill>
                 <a:srgbClr val="0070C0"/>
               </a:solidFill>
@@ -3973,7 +3973,7 @@
         </p:nvCxnSpPr>
         <p:spPr>
           <a:xfrm>
-            <a:off x="509491" y="1277359"/>
+            <a:off x="498077" y="1314072"/>
             <a:ext cx="1119851" cy="0"/>
           </a:xfrm>
           <a:prstGeom prst="straightConnector1">
@@ -4133,7 +4133,7 @@
         </p:nvCxnSpPr>
         <p:spPr>
           <a:xfrm>
-            <a:off x="4199499" y="1893592"/>
+            <a:off x="4199499" y="1902690"/>
             <a:ext cx="1492974" cy="0"/>
           </a:xfrm>
           <a:prstGeom prst="straightConnector1">
@@ -4211,7 +4211,7 @@
         </p:nvCxnSpPr>
         <p:spPr>
           <a:xfrm>
-            <a:off x="514867" y="5562600"/>
+            <a:off x="498077" y="5559129"/>
             <a:ext cx="1196051" cy="0"/>
           </a:xfrm>
           <a:prstGeom prst="straightConnector1">
@@ -4679,7 +4679,7 @@
         <p:spPr>
           <a:xfrm>
             <a:off x="7943607" y="4185804"/>
-            <a:ext cx="168896" cy="538596"/>
+            <a:ext cx="168896" cy="546510"/>
           </a:xfrm>
           <a:prstGeom prst="rect">
             <a:avLst/>
@@ -4860,7 +4860,7 @@
           <p:cNvPr id="66" name="Straight Arrow Connector 65">
             <a:extLst>
               <a:ext uri="{FF2B5EF4-FFF2-40B4-BE49-F238E27FC236}">
-                <a16:creationId xmlns="" xmlns:a16="http://schemas.microsoft.com/office/drawing/2014/main" id="{39916E2E-195A-4DC8-B025-B05FA87E6796}"/>
+                <a16:creationId xmlns:a16="http://schemas.microsoft.com/office/drawing/2014/main" xmlns="" id="{39916E2E-195A-4DC8-B025-B05FA87E6796}"/>
               </a:ext>
             </a:extLst>
           </p:cNvPr>
@@ -4904,7 +4904,7 @@
           <p:cNvPr id="67" name="Straight Arrow Connector 66">
             <a:extLst>
               <a:ext uri="{FF2B5EF4-FFF2-40B4-BE49-F238E27FC236}">
-                <a16:creationId xmlns="" xmlns:a16="http://schemas.microsoft.com/office/drawing/2014/main" id="{D881596E-177C-4FDC-8E60-CAB90B3D5FAB}"/>
+                <a16:creationId xmlns:a16="http://schemas.microsoft.com/office/drawing/2014/main" xmlns="" id="{D881596E-177C-4FDC-8E60-CAB90B3D5FAB}"/>
               </a:ext>
             </a:extLst>
           </p:cNvPr>
@@ -4915,8 +4915,8 @@
         </p:nvCxnSpPr>
         <p:spPr>
           <a:xfrm>
-            <a:off x="1798636" y="1379278"/>
-            <a:ext cx="2256705" cy="1"/>
+            <a:off x="1724813" y="1374473"/>
+            <a:ext cx="2367300" cy="1891"/>
           </a:xfrm>
           <a:prstGeom prst="straightConnector1">
             <a:avLst/>
@@ -4948,7 +4948,7 @@
           <p:cNvPr id="69" name="Straight Arrow Connector 68">
             <a:extLst>
               <a:ext uri="{FF2B5EF4-FFF2-40B4-BE49-F238E27FC236}">
-                <a16:creationId xmlns="" xmlns:a16="http://schemas.microsoft.com/office/drawing/2014/main" id="{7C9F21BC-13A9-471F-825A-2621FD36355F}"/>
+                <a16:creationId xmlns:a16="http://schemas.microsoft.com/office/drawing/2014/main" xmlns="" id="{7C9F21BC-13A9-471F-825A-2621FD36355F}"/>
               </a:ext>
             </a:extLst>
           </p:cNvPr>
@@ -4959,7 +4959,7 @@
         </p:nvCxnSpPr>
         <p:spPr>
           <a:xfrm>
-            <a:off x="4243140" y="3580274"/>
+            <a:off x="4240167" y="3586562"/>
             <a:ext cx="1373739" cy="3162"/>
           </a:xfrm>
           <a:prstGeom prst="straightConnector1">
@@ -4994,7 +4994,7 @@
           <p:cNvPr id="89" name="Straight Connector 88">
             <a:extLst>
               <a:ext uri="{FF2B5EF4-FFF2-40B4-BE49-F238E27FC236}">
-                <a16:creationId xmlns="" xmlns:a16="http://schemas.microsoft.com/office/drawing/2014/main" id="{E4E1C8CA-49DF-45D8-80A5-D5C8282EE927}"/>
+                <a16:creationId xmlns:a16="http://schemas.microsoft.com/office/drawing/2014/main" xmlns="" id="{E4E1C8CA-49DF-45D8-80A5-D5C8282EE927}"/>
               </a:ext>
             </a:extLst>
           </p:cNvPr>
@@ -5123,7 +5123,7 @@
         </p:nvCxnSpPr>
         <p:spPr>
           <a:xfrm>
-            <a:off x="8100071" y="4263421"/>
+            <a:off x="8112503" y="4259122"/>
             <a:ext cx="1408398" cy="0"/>
           </a:xfrm>
           <a:prstGeom prst="straightConnector1">
@@ -5156,7 +5156,7 @@
           <p:cNvPr id="60" name="Straight Arrow Connector 59">
             <a:extLst>
               <a:ext uri="{FF2B5EF4-FFF2-40B4-BE49-F238E27FC236}">
-                <a16:creationId xmlns="" xmlns:a16="http://schemas.microsoft.com/office/drawing/2014/main" id="{7C9F21BC-13A9-471F-825A-2621FD36355F}"/>
+                <a16:creationId xmlns:a16="http://schemas.microsoft.com/office/drawing/2014/main" xmlns="" id="{7C9F21BC-13A9-471F-825A-2621FD36355F}"/>
               </a:ext>
             </a:extLst>
           </p:cNvPr>
@@ -5167,7 +5167,7 @@
         </p:nvCxnSpPr>
         <p:spPr>
           <a:xfrm flipV="1">
-            <a:off x="8103943" y="4724400"/>
+            <a:off x="8114247" y="4725988"/>
             <a:ext cx="1408398" cy="6326"/>
           </a:xfrm>
           <a:prstGeom prst="straightConnector1">
@@ -5202,20 +5202,19 @@
           <p:cNvPr id="63" name="Straight Arrow Connector 62">
             <a:extLst>
               <a:ext uri="{FF2B5EF4-FFF2-40B4-BE49-F238E27FC236}">
-                <a16:creationId xmlns="" xmlns:a16="http://schemas.microsoft.com/office/drawing/2014/main" id="{7C9F21BC-13A9-471F-825A-2621FD36355F}"/>
+                <a16:creationId xmlns:a16="http://schemas.microsoft.com/office/drawing/2014/main" xmlns="" id="{7C9F21BC-13A9-471F-825A-2621FD36355F}"/>
               </a:ext>
             </a:extLst>
           </p:cNvPr>
           <p:cNvCxnSpPr>
             <a:cxnSpLocks/>
-            <a:endCxn id="49" idx="2"/>
           </p:cNvCxnSpPr>
           <p:nvPr/>
         </p:nvCxnSpPr>
         <p:spPr>
           <a:xfrm>
-            <a:off x="6719794" y="4724400"/>
-            <a:ext cx="1308261" cy="0"/>
+            <a:off x="6736151" y="4728616"/>
+            <a:ext cx="1264887" cy="0"/>
           </a:xfrm>
           <a:prstGeom prst="straightConnector1">
             <a:avLst/>
@@ -5335,7 +5334,7 @@
         </p:nvCxnSpPr>
         <p:spPr>
           <a:xfrm>
-            <a:off x="5741343" y="3313371"/>
+            <a:off x="5768673" y="3309757"/>
             <a:ext cx="905901" cy="0"/>
           </a:xfrm>
           <a:prstGeom prst="straightConnector1">
@@ -5456,7 +5455,7 @@
           <p:cNvPr id="59" name="Straight Arrow Connector 58">
             <a:extLst>
               <a:ext uri="{FF2B5EF4-FFF2-40B4-BE49-F238E27FC236}">
-                <a16:creationId xmlns="" xmlns:a16="http://schemas.microsoft.com/office/drawing/2014/main" id="{D881596E-177C-4FDC-8E60-CAB90B3D5FAB}"/>
+                <a16:creationId xmlns:a16="http://schemas.microsoft.com/office/drawing/2014/main" xmlns="" id="{D881596E-177C-4FDC-8E60-CAB90B3D5FAB}"/>
               </a:ext>
             </a:extLst>
           </p:cNvPr>
@@ -5531,47 +5530,6 @@
                 <a:srgbClr val="0070C0"/>
               </a:solidFill>
             </a:endParaRPr>
-          </a:p>
-        </p:txBody>
-      </p:sp>
-      <p:sp>
-        <p:nvSpPr>
-          <p:cNvPr id="62" name="TextBox 61"/>
-          <p:cNvSpPr txBox="1"/>
-          <p:nvPr/>
-        </p:nvSpPr>
-        <p:spPr>
-          <a:xfrm>
-            <a:off x="2545988" y="3571245"/>
-            <a:ext cx="762000" cy="215444"/>
-          </a:xfrm>
-          <a:prstGeom prst="rect">
-            <a:avLst/>
-          </a:prstGeom>
-          <a:noFill/>
-        </p:spPr>
-        <p:txBody>
-          <a:bodyPr wrap="square" lIns="0" tIns="0" rIns="0" bIns="0" rtlCol="0">
-            <a:spAutoFit/>
-          </a:bodyPr>
-          <a:lstStyle>
-            <a:defPPr>
-              <a:defRPr lang="en-US"/>
-            </a:defPPr>
-            <a:lvl1pPr algn="r">
-              <a:defRPr sz="1400">
-                <a:solidFill>
-                  <a:srgbClr val="0070C0"/>
-                </a:solidFill>
-              </a:defRPr>
-            </a:lvl1pPr>
-          </a:lstStyle>
-          <a:p>
-            <a:r>
-              <a:rPr lang="en-US" dirty="0" smtClean="0"/>
-              <a:t>l</a:t>
-            </a:r>
-            <a:endParaRPr lang="en-US" dirty="0"/>
           </a:p>
         </p:txBody>
       </p:sp>
@@ -5809,7 +5767,7 @@
           <p:cNvPr id="78" name="Straight Arrow Connector 77">
             <a:extLst>
               <a:ext uri="{FF2B5EF4-FFF2-40B4-BE49-F238E27FC236}">
-                <a16:creationId xmlns="" xmlns:a16="http://schemas.microsoft.com/office/drawing/2014/main" id="{7C9F21BC-13A9-471F-825A-2621FD36355F}"/>
+                <a16:creationId xmlns:a16="http://schemas.microsoft.com/office/drawing/2014/main" xmlns="" id="{7C9F21BC-13A9-471F-825A-2621FD36355F}"/>
               </a:ext>
             </a:extLst>
           </p:cNvPr>
@@ -5820,7 +5778,7 @@
         </p:nvCxnSpPr>
         <p:spPr>
           <a:xfrm flipV="1">
-            <a:off x="6736151" y="5453629"/>
+            <a:off x="6734728" y="5468010"/>
             <a:ext cx="1299339" cy="5055"/>
           </a:xfrm>
           <a:prstGeom prst="straightConnector1">
@@ -6051,7 +6009,7 @@
         <p:spPr>
           <a:xfrm>
             <a:off x="9685610" y="4572719"/>
-            <a:ext cx="152400" cy="140805"/>
+            <a:ext cx="144190" cy="158007"/>
           </a:xfrm>
           <a:prstGeom prst="line">
             <a:avLst/>
@@ -6084,7 +6042,7 @@
           <p:cNvPr id="100" name="Straight Arrow Connector 99">
             <a:extLst>
               <a:ext uri="{FF2B5EF4-FFF2-40B4-BE49-F238E27FC236}">
-                <a16:creationId xmlns="" xmlns:a16="http://schemas.microsoft.com/office/drawing/2014/main" id="{7C9F21BC-13A9-471F-825A-2621FD36355F}"/>
+                <a16:creationId xmlns:a16="http://schemas.microsoft.com/office/drawing/2014/main" xmlns="" id="{7C9F21BC-13A9-471F-825A-2621FD36355F}"/>
               </a:ext>
             </a:extLst>
           </p:cNvPr>
@@ -6095,7 +6053,7 @@
         </p:nvCxnSpPr>
         <p:spPr>
           <a:xfrm>
-            <a:off x="9656674" y="4713524"/>
+            <a:off x="9659740" y="4730725"/>
             <a:ext cx="178270" cy="0"/>
           </a:xfrm>
           <a:prstGeom prst="straightConnector1">
@@ -6167,15 +6125,7 @@
                   <a:srgbClr val="7030A0"/>
                 </a:solidFill>
               </a:rPr>
-              <a:t>set</a:t>
-            </a:r>
-            <a:r>
-              <a:rPr lang="en-US" sz="1200" dirty="0" err="1" smtClean="0">
-                <a:solidFill>
-                  <a:srgbClr val="7030A0"/>
-                </a:solidFill>
-              </a:rPr>
-              <a:t>TakenModules</a:t>
+              <a:t>setTakenModules</a:t>
             </a:r>
             <a:endParaRPr lang="en-US" sz="1200" dirty="0" smtClean="0">
               <a:solidFill>

--- a/docs/diagrams/ListSequenceDiagram_1.pptx
+++ b/docs/diagrams/ListSequenceDiagram_1.pptx
@@ -109,7 +109,7 @@
   </p:defaultTextStyle>
   <p:extLst>
     <p:ext uri="{EFAFB233-063F-42B5-8137-9DF3F51BA10A}">
-      <p15:sldGuideLst xmlns:p15="http://schemas.microsoft.com/office/powerpoint/2012/main" xmlns="">
+      <p15:sldGuideLst xmlns="" xmlns:p15="http://schemas.microsoft.com/office/powerpoint/2012/main">
         <p15:guide id="1" orient="horz" pos="1488">
           <p15:clr>
             <a:srgbClr val="A4A3A4"/>
@@ -4763,7 +4763,7 @@
         </p:nvSpPr>
         <p:spPr>
           <a:xfrm>
-            <a:off x="5574767" y="3715975"/>
+            <a:off x="5568338" y="3676964"/>
             <a:ext cx="258404" cy="261610"/>
           </a:xfrm>
           <a:prstGeom prst="rect">
@@ -4860,7 +4860,7 @@
           <p:cNvPr id="66" name="Straight Arrow Connector 65">
             <a:extLst>
               <a:ext uri="{FF2B5EF4-FFF2-40B4-BE49-F238E27FC236}">
-                <a16:creationId xmlns:a16="http://schemas.microsoft.com/office/drawing/2014/main" xmlns="" id="{39916E2E-195A-4DC8-B025-B05FA87E6796}"/>
+                <a16:creationId xmlns="" xmlns:a16="http://schemas.microsoft.com/office/drawing/2014/main" id="{39916E2E-195A-4DC8-B025-B05FA87E6796}"/>
               </a:ext>
             </a:extLst>
           </p:cNvPr>
@@ -4904,7 +4904,7 @@
           <p:cNvPr id="67" name="Straight Arrow Connector 66">
             <a:extLst>
               <a:ext uri="{FF2B5EF4-FFF2-40B4-BE49-F238E27FC236}">
-                <a16:creationId xmlns:a16="http://schemas.microsoft.com/office/drawing/2014/main" xmlns="" id="{D881596E-177C-4FDC-8E60-CAB90B3D5FAB}"/>
+                <a16:creationId xmlns="" xmlns:a16="http://schemas.microsoft.com/office/drawing/2014/main" id="{D881596E-177C-4FDC-8E60-CAB90B3D5FAB}"/>
               </a:ext>
             </a:extLst>
           </p:cNvPr>
@@ -4948,7 +4948,7 @@
           <p:cNvPr id="69" name="Straight Arrow Connector 68">
             <a:extLst>
               <a:ext uri="{FF2B5EF4-FFF2-40B4-BE49-F238E27FC236}">
-                <a16:creationId xmlns:a16="http://schemas.microsoft.com/office/drawing/2014/main" xmlns="" id="{7C9F21BC-13A9-471F-825A-2621FD36355F}"/>
+                <a16:creationId xmlns="" xmlns:a16="http://schemas.microsoft.com/office/drawing/2014/main" id="{7C9F21BC-13A9-471F-825A-2621FD36355F}"/>
               </a:ext>
             </a:extLst>
           </p:cNvPr>
@@ -4994,7 +4994,7 @@
           <p:cNvPr id="89" name="Straight Connector 88">
             <a:extLst>
               <a:ext uri="{FF2B5EF4-FFF2-40B4-BE49-F238E27FC236}">
-                <a16:creationId xmlns:a16="http://schemas.microsoft.com/office/drawing/2014/main" xmlns="" id="{E4E1C8CA-49DF-45D8-80A5-D5C8282EE927}"/>
+                <a16:creationId xmlns="" xmlns:a16="http://schemas.microsoft.com/office/drawing/2014/main" id="{E4E1C8CA-49DF-45D8-80A5-D5C8282EE927}"/>
               </a:ext>
             </a:extLst>
           </p:cNvPr>
@@ -5156,7 +5156,7 @@
           <p:cNvPr id="60" name="Straight Arrow Connector 59">
             <a:extLst>
               <a:ext uri="{FF2B5EF4-FFF2-40B4-BE49-F238E27FC236}">
-                <a16:creationId xmlns:a16="http://schemas.microsoft.com/office/drawing/2014/main" xmlns="" id="{7C9F21BC-13A9-471F-825A-2621FD36355F}"/>
+                <a16:creationId xmlns="" xmlns:a16="http://schemas.microsoft.com/office/drawing/2014/main" id="{7C9F21BC-13A9-471F-825A-2621FD36355F}"/>
               </a:ext>
             </a:extLst>
           </p:cNvPr>
@@ -5202,7 +5202,7 @@
           <p:cNvPr id="63" name="Straight Arrow Connector 62">
             <a:extLst>
               <a:ext uri="{FF2B5EF4-FFF2-40B4-BE49-F238E27FC236}">
-                <a16:creationId xmlns:a16="http://schemas.microsoft.com/office/drawing/2014/main" xmlns="" id="{7C9F21BC-13A9-471F-825A-2621FD36355F}"/>
+                <a16:creationId xmlns="" xmlns:a16="http://schemas.microsoft.com/office/drawing/2014/main" id="{7C9F21BC-13A9-471F-825A-2621FD36355F}"/>
               </a:ext>
             </a:extLst>
           </p:cNvPr>
@@ -5455,7 +5455,7 @@
           <p:cNvPr id="59" name="Straight Arrow Connector 58">
             <a:extLst>
               <a:ext uri="{FF2B5EF4-FFF2-40B4-BE49-F238E27FC236}">
-                <a16:creationId xmlns:a16="http://schemas.microsoft.com/office/drawing/2014/main" xmlns="" id="{D881596E-177C-4FDC-8E60-CAB90B3D5FAB}"/>
+                <a16:creationId xmlns="" xmlns:a16="http://schemas.microsoft.com/office/drawing/2014/main" id="{D881596E-177C-4FDC-8E60-CAB90B3D5FAB}"/>
               </a:ext>
             </a:extLst>
           </p:cNvPr>
@@ -5767,7 +5767,7 @@
           <p:cNvPr id="78" name="Straight Arrow Connector 77">
             <a:extLst>
               <a:ext uri="{FF2B5EF4-FFF2-40B4-BE49-F238E27FC236}">
-                <a16:creationId xmlns:a16="http://schemas.microsoft.com/office/drawing/2014/main" xmlns="" id="{7C9F21BC-13A9-471F-825A-2621FD36355F}"/>
+                <a16:creationId xmlns="" xmlns:a16="http://schemas.microsoft.com/office/drawing/2014/main" id="{7C9F21BC-13A9-471F-825A-2621FD36355F}"/>
               </a:ext>
             </a:extLst>
           </p:cNvPr>
@@ -6042,7 +6042,7 @@
           <p:cNvPr id="100" name="Straight Arrow Connector 99">
             <a:extLst>
               <a:ext uri="{FF2B5EF4-FFF2-40B4-BE49-F238E27FC236}">
-                <a16:creationId xmlns:a16="http://schemas.microsoft.com/office/drawing/2014/main" xmlns="" id="{7C9F21BC-13A9-471F-825A-2621FD36355F}"/>
+                <a16:creationId xmlns="" xmlns:a16="http://schemas.microsoft.com/office/drawing/2014/main" id="{7C9F21BC-13A9-471F-825A-2621FD36355F}"/>
               </a:ext>
             </a:extLst>
           </p:cNvPr>
